--- a/reports/20210610_shumko_sampex_microburst_durations.pptx
+++ b/reports/20210610_shumko_sampex_microburst_durations.pptx
@@ -208,7 +208,7 @@
           <a:p>
             <a:fld id="{85097FEF-3A17-E545-8E65-48C966443D90}" type="datetimeFigureOut">
               <a:rPr lang="en-US" smtClean="0"/>
-              <a:t>6/4/21</a:t>
+              <a:t>6/9/21</a:t>
             </a:fld>
             <a:endParaRPr lang="en-US"/>
           </a:p>
@@ -3971,8 +3971,8 @@
         </p:nvSpPr>
         <p:spPr>
           <a:xfrm>
-            <a:off x="264649" y="1187776"/>
-            <a:ext cx="3280346" cy="4482448"/>
+            <a:off x="264648" y="444552"/>
+            <a:ext cx="3806197" cy="5445337"/>
           </a:xfrm>
         </p:spPr>
         <p:txBody>
@@ -3982,35 +3982,47 @@
           <a:lstStyle/>
           <a:p>
             <a:r>
+              <a:rPr lang="en-US" sz="3200" dirty="0"/>
+              <a:t>Duration of microbursts and chorus </a:t>
+            </a:r>
+            <a:r>
+              <a:rPr lang="en-US" sz="3200" b="1" dirty="0"/>
+              <a:t>double</a:t>
+            </a:r>
+            <a:r>
+              <a:rPr lang="en-US" sz="3200" dirty="0"/>
+              <a:t> between the nightside and dayside. But the absolute microburst duration is </a:t>
+            </a:r>
+            <a:r>
+              <a:rPr lang="en-US" sz="3200" b="1" dirty="0"/>
+              <a:t>3-4x shorter</a:t>
+            </a:r>
+          </a:p>
+        </p:txBody>
+      </p:sp>
+      <p:sp>
+        <p:nvSpPr>
+          <p:cNvPr id="4" name="Date Placeholder 3">
+            <a:extLst>
+              <a:ext uri="{FF2B5EF4-FFF2-40B4-BE49-F238E27FC236}">
+                <a16:creationId xmlns:a16="http://schemas.microsoft.com/office/drawing/2014/main" id="{A4E2E9A9-318D-FC4B-BFE2-B00C285EC279}"/>
+              </a:ext>
+            </a:extLst>
+          </p:cNvPr>
+          <p:cNvSpPr>
+            <a:spLocks noGrp="1"/>
+          </p:cNvSpPr>
+          <p:nvPr>
+            <p:ph type="dt" sz="half" idx="10"/>
+          </p:nvPr>
+        </p:nvSpPr>
+        <p:spPr/>
+        <p:txBody>
+          <a:bodyPr/>
+          <a:lstStyle/>
+          <a:p>
+            <a:r>
               <a:rPr lang="en-US" dirty="0"/>
-              <a:t>How to the chorus and microburst duration distributions compare?</a:t>
-            </a:r>
-          </a:p>
-        </p:txBody>
-      </p:sp>
-      <p:sp>
-        <p:nvSpPr>
-          <p:cNvPr id="4" name="Date Placeholder 3">
-            <a:extLst>
-              <a:ext uri="{FF2B5EF4-FFF2-40B4-BE49-F238E27FC236}">
-                <a16:creationId xmlns:a16="http://schemas.microsoft.com/office/drawing/2014/main" id="{A4E2E9A9-318D-FC4B-BFE2-B00C285EC279}"/>
-              </a:ext>
-            </a:extLst>
-          </p:cNvPr>
-          <p:cNvSpPr>
-            <a:spLocks noGrp="1"/>
-          </p:cNvSpPr>
-          <p:nvPr>
-            <p:ph type="dt" sz="half" idx="10"/>
-          </p:nvPr>
-        </p:nvSpPr>
-        <p:spPr/>
-        <p:txBody>
-          <a:bodyPr/>
-          <a:lstStyle/>
-          <a:p>
-            <a:r>
-              <a:rPr lang="en-US"/>
               <a:t>6/10/2021</a:t>
             </a:r>
           </a:p>
@@ -4306,6 +4318,60 @@
               <a:t>Microbursts</a:t>
             </a:r>
             <a:endParaRPr lang="en-US" dirty="0"/>
+          </a:p>
+        </p:txBody>
+      </p:sp>
+      <p:sp>
+        <p:nvSpPr>
+          <p:cNvPr id="3" name="TextBox 2">
+            <a:extLst>
+              <a:ext uri="{FF2B5EF4-FFF2-40B4-BE49-F238E27FC236}">
+                <a16:creationId xmlns:a16="http://schemas.microsoft.com/office/drawing/2014/main" id="{10C0708E-4835-064D-964C-2338BAC1B382}"/>
+              </a:ext>
+            </a:extLst>
+          </p:cNvPr>
+          <p:cNvSpPr txBox="1"/>
+          <p:nvPr/>
+        </p:nvSpPr>
+        <p:spPr>
+          <a:xfrm>
+            <a:off x="7757652" y="5815669"/>
+            <a:ext cx="3170903" cy="646331"/>
+          </a:xfrm>
+          <a:prstGeom prst="rect">
+            <a:avLst/>
+          </a:prstGeom>
+        </p:spPr>
+        <p:style>
+          <a:lnRef idx="2">
+            <a:schemeClr val="accent2"/>
+          </a:lnRef>
+          <a:fillRef idx="1">
+            <a:schemeClr val="lt1"/>
+          </a:fillRef>
+          <a:effectRef idx="0">
+            <a:schemeClr val="accent2"/>
+          </a:effectRef>
+          <a:fontRef idx="minor">
+            <a:schemeClr val="dk1"/>
+          </a:fontRef>
+        </p:style>
+        <p:txBody>
+          <a:bodyPr wrap="square" rtlCol="0">
+            <a:spAutoFit/>
+          </a:bodyPr>
+          <a:lstStyle/>
+          <a:p>
+            <a:r>
+              <a:rPr lang="en-US" dirty="0"/>
+              <a:t>Nightside = 21-3 MLT</a:t>
+            </a:r>
+          </a:p>
+          <a:p>
+            <a:r>
+              <a:rPr lang="en-US" dirty="0"/>
+              <a:t>Dayside = 9-15 MLT</a:t>
+            </a:r>
           </a:p>
         </p:txBody>
       </p:sp>
@@ -4920,8 +4986,8 @@
           </a:p>
         </p:txBody>
       </p:sp>
-      <mc:AlternateContent xmlns:mc="http://schemas.openxmlformats.org/markup-compatibility/2006">
-        <mc:Choice xmlns:a14="http://schemas.microsoft.com/office/drawing/2010/main" Requires="a14">
+      <mc:AlternateContent xmlns:mc="http://schemas.openxmlformats.org/markup-compatibility/2006" xmlns:a14="http://schemas.microsoft.com/office/drawing/2010/main">
+        <mc:Choice Requires="a14">
           <p:sp>
             <p:nvSpPr>
               <p:cNvPr id="10" name="TextBox 9">
@@ -5229,7 +5295,7 @@
             </p:txBody>
           </p:sp>
         </mc:Choice>
-        <mc:Fallback>
+        <mc:Fallback xmlns="">
           <p:sp>
             <p:nvSpPr>
               <p:cNvPr id="10" name="TextBox 9">
